--- a/random/novelstudy01.pptx
+++ b/random/novelstudy01.pptx
@@ -14,6 +14,7 @@
     <p:sldId id="262" r:id="rId8"/>
     <p:sldId id="263" r:id="rId9"/>
     <p:sldId id="265" r:id="rId10"/>
+    <p:sldId id="266" r:id="rId11"/>
   </p:sldIdLst>
   <p:sldSz cx="9144000" cy="6858000" type="screen4x3"/>
   <p:notesSz cx="6858000" cy="9144000"/>
@@ -396,7 +397,7 @@
             <a:fld id="{530820CF-B880-4189-942D-D702A7CBA730}" type="datetimeFigureOut">
               <a:rPr lang="zh-CN" altLang="en-US" smtClean="0"/>
               <a:pPr/>
-              <a:t>2022/5/28</a:t>
+              <a:t>2022/6/16</a:t>
             </a:fld>
             <a:endParaRPr lang="zh-CN" altLang="en-US"/>
           </a:p>
@@ -791,7 +792,7 @@
             <a:fld id="{530820CF-B880-4189-942D-D702A7CBA730}" type="datetimeFigureOut">
               <a:rPr lang="zh-CN" altLang="en-US" smtClean="0"/>
               <a:pPr/>
-              <a:t>2022/5/28</a:t>
+              <a:t>2022/6/16</a:t>
             </a:fld>
             <a:endParaRPr lang="zh-CN" altLang="en-US"/>
           </a:p>
@@ -1326,7 +1327,7 @@
             <a:fld id="{530820CF-B880-4189-942D-D702A7CBA730}" type="datetimeFigureOut">
               <a:rPr lang="zh-CN" altLang="en-US" smtClean="0"/>
               <a:pPr/>
-              <a:t>2022/5/28</a:t>
+              <a:t>2022/6/16</a:t>
             </a:fld>
             <a:endParaRPr lang="zh-CN" altLang="en-US"/>
           </a:p>
@@ -1460,7 +1461,7 @@
             <a:fld id="{530820CF-B880-4189-942D-D702A7CBA730}" type="datetimeFigureOut">
               <a:rPr lang="zh-CN" altLang="en-US" smtClean="0"/>
               <a:pPr/>
-              <a:t>2022/5/28</a:t>
+              <a:t>2022/6/16</a:t>
             </a:fld>
             <a:endParaRPr lang="zh-CN" altLang="en-US"/>
           </a:p>
@@ -2005,7 +2006,7 @@
             <a:fld id="{530820CF-B880-4189-942D-D702A7CBA730}" type="datetimeFigureOut">
               <a:rPr lang="zh-CN" altLang="en-US" smtClean="0"/>
               <a:pPr/>
-              <a:t>2022/5/28</a:t>
+              <a:t>2022/6/16</a:t>
             </a:fld>
             <a:endParaRPr lang="zh-CN" altLang="en-US"/>
           </a:p>
@@ -2302,7 +2303,7 @@
             <a:fld id="{530820CF-B880-4189-942D-D702A7CBA730}" type="datetimeFigureOut">
               <a:rPr lang="zh-CN" altLang="en-US" smtClean="0"/>
               <a:pPr/>
-              <a:t>2022/5/28</a:t>
+              <a:t>2022/6/16</a:t>
             </a:fld>
             <a:endParaRPr lang="zh-CN" altLang="en-US"/>
           </a:p>
@@ -2963,7 +2964,7 @@
             <a:fld id="{530820CF-B880-4189-942D-D702A7CBA730}" type="datetimeFigureOut">
               <a:rPr lang="zh-CN" altLang="en-US" smtClean="0"/>
               <a:pPr/>
-              <a:t>2022/5/28</a:t>
+              <a:t>2022/6/16</a:t>
             </a:fld>
             <a:endParaRPr lang="zh-CN" altLang="en-US"/>
           </a:p>
@@ -3401,7 +3402,7 @@
             <a:fld id="{530820CF-B880-4189-942D-D702A7CBA730}" type="datetimeFigureOut">
               <a:rPr lang="zh-CN" altLang="en-US" smtClean="0"/>
               <a:pPr/>
-              <a:t>2022/5/28</a:t>
+              <a:t>2022/6/16</a:t>
             </a:fld>
             <a:endParaRPr lang="zh-CN" altLang="en-US"/>
           </a:p>
@@ -3716,7 +3717,7 @@
             <a:fld id="{530820CF-B880-4189-942D-D702A7CBA730}" type="datetimeFigureOut">
               <a:rPr lang="zh-CN" altLang="en-US" smtClean="0"/>
               <a:pPr/>
-              <a:t>2022/5/28</a:t>
+              <a:t>2022/6/16</a:t>
             </a:fld>
             <a:endParaRPr lang="zh-CN" altLang="en-US"/>
           </a:p>
@@ -4451,7 +4452,7 @@
             <a:fld id="{530820CF-B880-4189-942D-D702A7CBA730}" type="datetimeFigureOut">
               <a:rPr lang="zh-CN" altLang="en-US" smtClean="0"/>
               <a:pPr/>
-              <a:t>2022/5/28</a:t>
+              <a:t>2022/6/16</a:t>
             </a:fld>
             <a:endParaRPr lang="zh-CN" altLang="en-US"/>
           </a:p>
@@ -5117,7 +5118,7 @@
             <a:fld id="{530820CF-B880-4189-942D-D702A7CBA730}" type="datetimeFigureOut">
               <a:rPr lang="zh-CN" altLang="en-US" smtClean="0"/>
               <a:pPr/>
-              <a:t>2022/5/28</a:t>
+              <a:t>2022/6/16</a:t>
             </a:fld>
             <a:endParaRPr lang="zh-CN" altLang="en-US"/>
           </a:p>
@@ -5391,7 +5392,7 @@
             <a:fld id="{530820CF-B880-4189-942D-D702A7CBA730}" type="datetimeFigureOut">
               <a:rPr lang="zh-CN" altLang="en-US" smtClean="0"/>
               <a:pPr/>
-              <a:t>2022/5/28</a:t>
+              <a:t>2022/6/16</a:t>
             </a:fld>
             <a:endParaRPr lang="zh-CN" altLang="en-US"/>
           </a:p>
@@ -6119,6 +6120,66 @@
 </p:sld>
 </file>
 
+<file path=ppt/slides/slide10.xml><?xml version="1.0" encoding="utf-8"?>
+<p:sld xmlns:a="http://schemas.openxmlformats.org/drawingml/2006/main" xmlns:r="http://schemas.openxmlformats.org/officeDocument/2006/relationships" xmlns:p="http://schemas.openxmlformats.org/presentationml/2006/main">
+  <p:cSld>
+    <p:spTree>
+      <p:nvGrpSpPr>
+        <p:cNvPr id="1" name=""/>
+        <p:cNvGrpSpPr/>
+        <p:nvPr/>
+      </p:nvGrpSpPr>
+      <p:grpSpPr>
+        <a:xfrm>
+          <a:off x="0" y="0"/>
+          <a:ext cx="0" cy="0"/>
+          <a:chOff x="0" y="0"/>
+          <a:chExt cx="0" cy="0"/>
+        </a:xfrm>
+      </p:grpSpPr>
+      <p:sp>
+        <p:nvSpPr>
+          <p:cNvPr id="2" name="矩形 1"/>
+          <p:cNvSpPr/>
+          <p:nvPr/>
+        </p:nvSpPr>
+        <p:spPr>
+          <a:xfrm>
+            <a:off x="1979712" y="1916832"/>
+            <a:ext cx="4572000" cy="2585323"/>
+          </a:xfrm>
+          <a:prstGeom prst="rect">
+            <a:avLst/>
+          </a:prstGeom>
+        </p:spPr>
+        <p:txBody>
+          <a:bodyPr>
+            <a:spAutoFit/>
+          </a:bodyPr>
+          <a:lstStyle/>
+          <a:p>
+            <a:r>
+              <a:rPr lang="en-US" dirty="0" smtClean="0"/>
+              <a:t>You may copy anything on the PPT, but you have to cite the author and give  a link to this website. See [LICENSE](https://qqiumax.github.io/LICENSE) for more information. You HAVE to keep this message when copying or duplicating.</a:t>
+            </a:r>
+          </a:p>
+          <a:p>
+            <a:r>
+              <a:rPr lang="en-US" dirty="0" smtClean="0"/>
+              <a:t>Copyright Max Qiu 2022. All Rights Reserved.</a:t>
+            </a:r>
+            <a:endParaRPr lang="en-US" dirty="0"/>
+          </a:p>
+        </p:txBody>
+      </p:sp>
+    </p:spTree>
+  </p:cSld>
+  <p:clrMapOvr>
+    <a:masterClrMapping/>
+  </p:clrMapOvr>
+</p:sld>
+</file>
+
 <file path=ppt/slides/slide2.xml><?xml version="1.0" encoding="utf-8"?>
 <p:sld xmlns:a="http://schemas.openxmlformats.org/drawingml/2006/main" xmlns:r="http://schemas.openxmlformats.org/officeDocument/2006/relationships" xmlns:p="http://schemas.openxmlformats.org/presentationml/2006/main">
   <p:cSld>
@@ -6202,13 +6263,8 @@
             </a:r>
             <a:r>
               <a:rPr lang="en-US" dirty="0" smtClean="0"/>
-              <a:t> is born </a:t>
-            </a:r>
-            <a:r>
-              <a:rPr lang="en-US" dirty="0" smtClean="0"/>
-              <a:t>on May 14 1965. </a:t>
-            </a:r>
-            <a:endParaRPr lang="en-US" dirty="0" smtClean="0"/>
+              <a:t> is born on May 14 1965. </a:t>
+            </a:r>
           </a:p>
           <a:p>
             <a:r>
@@ -7402,7 +7458,6 @@
               <a:rPr lang="en-US" dirty="0" smtClean="0"/>
               <a:t>Main Character from the fairies.</a:t>
             </a:r>
-            <a:endParaRPr lang="en-US" dirty="0" smtClean="0"/>
           </a:p>
           <a:p>
             <a:r>
@@ -7462,7 +7517,6 @@
               <a:rPr lang="en-US" dirty="0" smtClean="0"/>
               <a:t>The protagonist 12 yrs old</a:t>
             </a:r>
-            <a:endParaRPr lang="en-US" dirty="0" smtClean="0"/>
           </a:p>
           <a:p>
             <a:r>
@@ -9561,7 +9615,6 @@
               <a:rPr lang="en-US" dirty="0" smtClean="0"/>
               <a:t>Irony</a:t>
             </a:r>
-            <a:endParaRPr lang="en-US" dirty="0" smtClean="0"/>
           </a:p>
         </p:txBody>
       </p:sp>
@@ -9584,7 +9637,6 @@
               <a:rPr lang="en-US" dirty="0" smtClean="0"/>
               <a:t>Hyperbole</a:t>
             </a:r>
-            <a:endParaRPr lang="en-US" dirty="0" smtClean="0"/>
           </a:p>
         </p:txBody>
       </p:sp>
